--- a/week04/Lab04.pptx
+++ b/week04/Lab04.pptx
@@ -859,7 +859,7 @@
                 <a:uLnTx/>
                 <a:uFillTx/>
                 <a:latin typeface="Calibri" panose="020F0502020204030204"/>
-                <a:ea typeface="宋体" panose="02010600030101010101" pitchFamily="2" charset="-122"/>
+                <a:ea typeface="SimSun" panose="02010600030101010101" pitchFamily="2" charset="-122"/>
                 <a:cs typeface="+mn-cs"/>
               </a:rPr>
             </a:fld>
@@ -874,7 +874,7 @@
               <a:uLnTx/>
               <a:uFillTx/>
               <a:latin typeface="Calibri" panose="020F0502020204030204"/>
-              <a:ea typeface="宋体" panose="02010600030101010101" pitchFamily="2" charset="-122"/>
+              <a:ea typeface="SimSun" panose="02010600030101010101" pitchFamily="2" charset="-122"/>
               <a:cs typeface="+mn-cs"/>
             </a:endParaRPr>
           </a:p>
@@ -1369,7 +1369,7 @@
                 <a:uLnTx/>
                 <a:uFillTx/>
                 <a:latin typeface="Calibri" panose="020F0502020204030204"/>
-                <a:ea typeface="宋体" panose="02010600030101010101" pitchFamily="2" charset="-122"/>
+                <a:ea typeface="SimSun" panose="02010600030101010101" pitchFamily="2" charset="-122"/>
                 <a:cs typeface="+mn-cs"/>
               </a:rPr>
             </a:fld>
@@ -1384,7 +1384,7 @@
               <a:uLnTx/>
               <a:uFillTx/>
               <a:latin typeface="Calibri" panose="020F0502020204030204"/>
-              <a:ea typeface="宋体" panose="02010600030101010101" pitchFamily="2" charset="-122"/>
+              <a:ea typeface="SimSun" panose="02010600030101010101" pitchFamily="2" charset="-122"/>
               <a:cs typeface="+mn-cs"/>
             </a:endParaRPr>
           </a:p>
@@ -11963,7 +11963,7 @@
                   <a:prstClr val="black"/>
                 </a:solidFill>
                 <a:latin typeface="Calibri" panose="020F0502020204030204"/>
-                <a:ea typeface="宋体" panose="02010600030101010101" pitchFamily="2" charset="-122"/>
+                <a:ea typeface="SimSun" panose="02010600030101010101" pitchFamily="2" charset="-122"/>
               </a:rPr>
               <a:t>4. </a:t>
             </a:r>
@@ -11973,7 +11973,7 @@
                   <a:srgbClr val="00B0F0"/>
                 </a:solidFill>
                 <a:latin typeface="Calibri" panose="020F0502020204030204"/>
-                <a:ea typeface="宋体" panose="02010600030101010101" pitchFamily="2" charset="-122"/>
+                <a:ea typeface="SimSun" panose="02010600030101010101" pitchFamily="2" charset="-122"/>
               </a:rPr>
               <a:t>C++: </a:t>
             </a:r>
@@ -11983,7 +11983,7 @@
                   <a:srgbClr val="00B0F0"/>
                 </a:solidFill>
                 <a:latin typeface="Calibri" panose="020F0502020204030204"/>
-                <a:ea typeface="宋体" panose="02010600030101010101" pitchFamily="2" charset="-122"/>
+                <a:ea typeface="SimSun" panose="02010600030101010101" pitchFamily="2" charset="-122"/>
               </a:rPr>
               <a:t>cin.getline</a:t>
             </a:r>
@@ -11993,7 +11993,7 @@
                   <a:srgbClr val="00B0F0"/>
                 </a:solidFill>
                 <a:latin typeface="Calibri" panose="020F0502020204030204"/>
-                <a:ea typeface="宋体" panose="02010600030101010101" pitchFamily="2" charset="-122"/>
+                <a:ea typeface="SimSun" panose="02010600030101010101" pitchFamily="2" charset="-122"/>
               </a:rPr>
               <a:t>( ) </a:t>
             </a:r>
@@ -12003,7 +12003,7 @@
                   <a:prstClr val="black"/>
                 </a:solidFill>
                 <a:latin typeface="Calibri" panose="020F0502020204030204"/>
-                <a:ea typeface="宋体" panose="02010600030101010101" pitchFamily="2" charset="-122"/>
+                <a:ea typeface="SimSun" panose="02010600030101010101" pitchFamily="2" charset="-122"/>
               </a:rPr>
               <a:t>&amp; </a:t>
             </a:r>
@@ -12013,7 +12013,7 @@
                   <a:srgbClr val="00B0F0"/>
                 </a:solidFill>
                 <a:latin typeface="Calibri" panose="020F0502020204030204"/>
-                <a:ea typeface="宋体" panose="02010600030101010101" pitchFamily="2" charset="-122"/>
+                <a:ea typeface="SimSun" panose="02010600030101010101" pitchFamily="2" charset="-122"/>
               </a:rPr>
               <a:t>cin.get</a:t>
             </a:r>
@@ -12023,7 +12023,7 @@
                   <a:srgbClr val="00B0F0"/>
                 </a:solidFill>
                 <a:latin typeface="Calibri" panose="020F0502020204030204"/>
-                <a:ea typeface="宋体" panose="02010600030101010101" pitchFamily="2" charset="-122"/>
+                <a:ea typeface="SimSun" panose="02010600030101010101" pitchFamily="2" charset="-122"/>
               </a:rPr>
               <a:t>( )</a:t>
             </a:r>
@@ -12032,7 +12032,7 @@
                 <a:srgbClr val="00B0F0"/>
               </a:solidFill>
               <a:latin typeface="Calibri" panose="020F0502020204030204"/>
-              <a:ea typeface="宋体" panose="02010600030101010101" pitchFamily="2" charset="-122"/>
+              <a:ea typeface="SimSun" panose="02010600030101010101" pitchFamily="2" charset="-122"/>
             </a:endParaRPr>
           </a:p>
         </p:txBody>
@@ -12100,7 +12100,7 @@
                   <a:prstClr val="white"/>
                 </a:solidFill>
                 <a:latin typeface="Calibri" panose="020F0502020204030204"/>
-                <a:ea typeface="宋体" panose="02010600030101010101" pitchFamily="2" charset="-122"/>
+                <a:ea typeface="SimSun" panose="02010600030101010101" pitchFamily="2" charset="-122"/>
               </a:endParaRPr>
             </a:p>
           </p:txBody>
@@ -12154,7 +12154,7 @@
                   <a:prstClr val="white"/>
                 </a:solidFill>
                 <a:latin typeface="Calibri" panose="020F0502020204030204"/>
-                <a:ea typeface="宋体" panose="02010600030101010101" pitchFamily="2" charset="-122"/>
+                <a:ea typeface="SimSun" panose="02010600030101010101" pitchFamily="2" charset="-122"/>
               </a:endParaRPr>
             </a:p>
           </p:txBody>
@@ -12223,7 +12223,7 @@
                   <a:prstClr val="white"/>
                 </a:solidFill>
                 <a:latin typeface="Calibri" panose="020F0502020204030204"/>
-                <a:ea typeface="宋体" panose="02010600030101010101" pitchFamily="2" charset="-122"/>
+                <a:ea typeface="SimSun" panose="02010600030101010101" pitchFamily="2" charset="-122"/>
               </a:endParaRPr>
             </a:p>
           </p:txBody>
@@ -12277,7 +12277,7 @@
                   <a:prstClr val="white"/>
                 </a:solidFill>
                 <a:latin typeface="Calibri" panose="020F0502020204030204"/>
-                <a:ea typeface="宋体" panose="02010600030101010101" pitchFamily="2" charset="-122"/>
+                <a:ea typeface="SimSun" panose="02010600030101010101" pitchFamily="2" charset="-122"/>
               </a:endParaRPr>
             </a:p>
           </p:txBody>
@@ -12383,7 +12383,7 @@
                 <a:prstClr val="white"/>
               </a:solidFill>
               <a:latin typeface="Calibri" panose="020F0502020204030204"/>
-              <a:ea typeface="宋体" panose="02010600030101010101" pitchFamily="2" charset="-122"/>
+              <a:ea typeface="SimSun" panose="02010600030101010101" pitchFamily="2" charset="-122"/>
             </a:endParaRPr>
           </a:p>
         </p:txBody>
@@ -12437,7 +12437,7 @@
                 <a:prstClr val="white"/>
               </a:solidFill>
               <a:latin typeface="Calibri" panose="020F0502020204030204"/>
-              <a:ea typeface="宋体" panose="02010600030101010101" pitchFamily="2" charset="-122"/>
+              <a:ea typeface="SimSun" panose="02010600030101010101" pitchFamily="2" charset="-122"/>
             </a:endParaRPr>
           </a:p>
         </p:txBody>
@@ -13557,7 +13557,7 @@
                   <a:prstClr val="black"/>
                 </a:solidFill>
                 <a:latin typeface="Calibri" panose="020F0502020204030204"/>
-                <a:ea typeface="宋体" panose="02010600030101010101" pitchFamily="2" charset="-122"/>
+                <a:ea typeface="SimSun" panose="02010600030101010101" pitchFamily="2" charset="-122"/>
               </a:rPr>
               <a:t>4. </a:t>
             </a:r>
@@ -13567,7 +13567,7 @@
                   <a:srgbClr val="00B0F0"/>
                 </a:solidFill>
                 <a:latin typeface="Calibri" panose="020F0502020204030204"/>
-                <a:ea typeface="宋体" panose="02010600030101010101" pitchFamily="2" charset="-122"/>
+                <a:ea typeface="SimSun" panose="02010600030101010101" pitchFamily="2" charset="-122"/>
               </a:rPr>
               <a:t>C++: </a:t>
             </a:r>
@@ -13577,7 +13577,7 @@
                   <a:srgbClr val="00B0F0"/>
                 </a:solidFill>
                 <a:latin typeface="Calibri" panose="020F0502020204030204"/>
-                <a:ea typeface="宋体" panose="02010600030101010101" pitchFamily="2" charset="-122"/>
+                <a:ea typeface="SimSun" panose="02010600030101010101" pitchFamily="2" charset="-122"/>
               </a:rPr>
               <a:t>cin.getline</a:t>
             </a:r>
@@ -13587,7 +13587,7 @@
                   <a:srgbClr val="00B0F0"/>
                 </a:solidFill>
                 <a:latin typeface="Calibri" panose="020F0502020204030204"/>
-                <a:ea typeface="宋体" panose="02010600030101010101" pitchFamily="2" charset="-122"/>
+                <a:ea typeface="SimSun" panose="02010600030101010101" pitchFamily="2" charset="-122"/>
               </a:rPr>
               <a:t>( ) </a:t>
             </a:r>
@@ -13597,7 +13597,7 @@
                   <a:prstClr val="black"/>
                 </a:solidFill>
                 <a:latin typeface="Calibri" panose="020F0502020204030204"/>
-                <a:ea typeface="宋体" panose="02010600030101010101" pitchFamily="2" charset="-122"/>
+                <a:ea typeface="SimSun" panose="02010600030101010101" pitchFamily="2" charset="-122"/>
               </a:rPr>
               <a:t>&amp; </a:t>
             </a:r>
@@ -13607,7 +13607,7 @@
                   <a:srgbClr val="00B0F0"/>
                 </a:solidFill>
                 <a:latin typeface="Calibri" panose="020F0502020204030204"/>
-                <a:ea typeface="宋体" panose="02010600030101010101" pitchFamily="2" charset="-122"/>
+                <a:ea typeface="SimSun" panose="02010600030101010101" pitchFamily="2" charset="-122"/>
               </a:rPr>
               <a:t>cin.get</a:t>
             </a:r>
@@ -13617,7 +13617,7 @@
                   <a:srgbClr val="00B0F0"/>
                 </a:solidFill>
                 <a:latin typeface="Calibri" panose="020F0502020204030204"/>
-                <a:ea typeface="宋体" panose="02010600030101010101" pitchFamily="2" charset="-122"/>
+                <a:ea typeface="SimSun" panose="02010600030101010101" pitchFamily="2" charset="-122"/>
               </a:rPr>
               <a:t>( )</a:t>
             </a:r>
@@ -13626,7 +13626,7 @@
                 <a:srgbClr val="00B0F0"/>
               </a:solidFill>
               <a:latin typeface="Calibri" panose="020F0502020204030204"/>
-              <a:ea typeface="宋体" panose="02010600030101010101" pitchFamily="2" charset="-122"/>
+              <a:ea typeface="SimSun" panose="02010600030101010101" pitchFamily="2" charset="-122"/>
             </a:endParaRPr>
           </a:p>
         </p:txBody>
@@ -20887,7 +20887,7 @@
                   <a:prstClr val="black"/>
                 </a:solidFill>
                 <a:latin typeface="Calibri" panose="020F0502020204030204"/>
-                <a:ea typeface="宋体" panose="02010600030101010101" pitchFamily="2" charset="-122"/>
+                <a:ea typeface="SimSun" panose="02010600030101010101" pitchFamily="2" charset="-122"/>
               </a:rPr>
               <a:t>2. Multi-source files in a project</a:t>
             </a:r>
@@ -20896,7 +20896,7 @@
                 <a:prstClr val="black"/>
               </a:solidFill>
               <a:latin typeface="Calibri" panose="020F0502020204030204"/>
-              <a:ea typeface="宋体" panose="02010600030101010101" pitchFamily="2" charset="-122"/>
+              <a:ea typeface="SimSun" panose="02010600030101010101" pitchFamily="2" charset="-122"/>
             </a:endParaRPr>
           </a:p>
         </p:txBody>
@@ -20946,7 +20946,7 @@
                     <a:prstClr val="black"/>
                   </a:solidFill>
                   <a:latin typeface="Calibri" panose="020F0502020204030204"/>
-                  <a:ea typeface="宋体" panose="02010600030101010101" pitchFamily="2" charset="-122"/>
+                  <a:ea typeface="SimSun" panose="02010600030101010101" pitchFamily="2" charset="-122"/>
                 </a:rPr>
                 <a:t>Store all files in the current directory into DIR_SRCS.</a:t>
               </a:r>
@@ -20955,7 +20955,7 @@
                   <a:prstClr val="black"/>
                 </a:solidFill>
                 <a:latin typeface="Calibri" panose="020F0502020204030204"/>
-                <a:ea typeface="宋体" panose="02010600030101010101" pitchFamily="2" charset="-122"/>
+                <a:ea typeface="SimSun" panose="02010600030101010101" pitchFamily="2" charset="-122"/>
               </a:endParaRPr>
             </a:p>
           </p:txBody>
@@ -21009,7 +21009,7 @@
                   <a:prstClr val="white"/>
                 </a:solidFill>
                 <a:latin typeface="Calibri" panose="020F0502020204030204"/>
-                <a:ea typeface="宋体" panose="02010600030101010101" pitchFamily="2" charset="-122"/>
+                <a:ea typeface="SimSun" panose="02010600030101010101" pitchFamily="2" charset="-122"/>
               </a:endParaRPr>
             </a:p>
           </p:txBody>
@@ -21096,7 +21096,7 @@
                     <a:prstClr val="black"/>
                   </a:solidFill>
                   <a:latin typeface="Calibri" panose="020F0502020204030204"/>
-                  <a:ea typeface="宋体" panose="02010600030101010101" pitchFamily="2" charset="-122"/>
+                  <a:ea typeface="SimSun" panose="02010600030101010101" pitchFamily="2" charset="-122"/>
                 </a:rPr>
                 <a:t>Compile the  source files in the variable by </a:t>
               </a:r>
@@ -21106,7 +21106,7 @@
                     <a:srgbClr val="FF0000"/>
                   </a:solidFill>
                   <a:latin typeface="Calibri" panose="020F0502020204030204"/>
-                  <a:ea typeface="宋体" panose="02010600030101010101" pitchFamily="2" charset="-122"/>
+                  <a:ea typeface="SimSun" panose="02010600030101010101" pitchFamily="2" charset="-122"/>
                 </a:rPr>
                 <a:t>${ }</a:t>
               </a:r>
@@ -21116,7 +21116,7 @@
                     <a:prstClr val="black"/>
                   </a:solidFill>
                   <a:latin typeface="Calibri" panose="020F0502020204030204"/>
-                  <a:ea typeface="宋体" panose="02010600030101010101" pitchFamily="2" charset="-122"/>
+                  <a:ea typeface="SimSun" panose="02010600030101010101" pitchFamily="2" charset="-122"/>
                 </a:rPr>
                 <a:t> into an executable file named CmakeDemo2</a:t>
               </a:r>
@@ -21125,7 +21125,7 @@
                   <a:prstClr val="black"/>
                 </a:solidFill>
                 <a:latin typeface="Calibri" panose="020F0502020204030204"/>
-                <a:ea typeface="宋体" panose="02010600030101010101" pitchFamily="2" charset="-122"/>
+                <a:ea typeface="SimSun" panose="02010600030101010101" pitchFamily="2" charset="-122"/>
               </a:endParaRPr>
             </a:p>
           </p:txBody>
@@ -21179,7 +21179,7 @@
                   <a:prstClr val="white"/>
                 </a:solidFill>
                 <a:latin typeface="Calibri" panose="020F0502020204030204"/>
-                <a:ea typeface="宋体" panose="02010600030101010101" pitchFamily="2" charset="-122"/>
+                <a:ea typeface="SimSun" panose="02010600030101010101" pitchFamily="2" charset="-122"/>
               </a:endParaRPr>
             </a:p>
           </p:txBody>
@@ -23224,7 +23224,7 @@
                   <a:prstClr val="black"/>
                 </a:solidFill>
                 <a:latin typeface="Calibri" panose="020F0502020204030204"/>
-                <a:ea typeface="宋体" panose="02010600030101010101" pitchFamily="2" charset="-122"/>
+                <a:ea typeface="SimSun" panose="02010600030101010101" pitchFamily="2" charset="-122"/>
               </a:rPr>
               <a:t> </a:t>
             </a:r>
@@ -23234,7 +23234,7 @@
                   <a:prstClr val="black"/>
                 </a:solidFill>
                 <a:latin typeface="Calibri" panose="020F0502020204030204"/>
-                <a:ea typeface="宋体" panose="02010600030101010101" pitchFamily="2" charset="-122"/>
+                <a:ea typeface="SimSun" panose="02010600030101010101" pitchFamily="2" charset="-122"/>
               </a:rPr>
               <a:t>Write a</a:t>
             </a:r>
@@ -23244,7 +23244,7 @@
                   <a:prstClr val="black"/>
                 </a:solidFill>
                 <a:latin typeface="Calibri" panose="020F0502020204030204"/>
-                <a:ea typeface="宋体" panose="02010600030101010101" pitchFamily="2" charset="-122"/>
+                <a:ea typeface="SimSun" panose="02010600030101010101" pitchFamily="2" charset="-122"/>
               </a:rPr>
               <a:t> main.cpp </a:t>
             </a:r>
@@ -23254,7 +23254,7 @@
                   <a:prstClr val="black"/>
                 </a:solidFill>
                 <a:latin typeface="Calibri" panose="020F0502020204030204"/>
-                <a:ea typeface="宋体" panose="02010600030101010101" pitchFamily="2" charset="-122"/>
+                <a:ea typeface="SimSun" panose="02010600030101010101" pitchFamily="2" charset="-122"/>
               </a:rPr>
               <a:t>which contains main() and  demonstrate all the features of the prototyped functions. </a:t>
             </a:r>
@@ -23274,7 +23274,7 @@
                   <a:prstClr val="black"/>
                 </a:solidFill>
                 <a:latin typeface="Calibri" panose="020F0502020204030204"/>
-                <a:ea typeface="宋体" panose="02010600030101010101" pitchFamily="2" charset="-122"/>
+                <a:ea typeface="SimSun" panose="02010600030101010101" pitchFamily="2" charset="-122"/>
               </a:rPr>
               <a:t>Write a </a:t>
             </a:r>
@@ -23284,9 +23284,9 @@
                   <a:prstClr val="black"/>
                 </a:solidFill>
                 <a:latin typeface="Calibri" panose="020F0502020204030204"/>
-                <a:ea typeface="宋体" panose="02010600030101010101" pitchFamily="2" charset="-122"/>
+                <a:ea typeface="SimSun" panose="02010600030101010101" pitchFamily="2" charset="-122"/>
               </a:rPr>
-              <a:t>MakeLists.txt </a:t>
+              <a:t>CMakeLists.txt </a:t>
             </a:r>
             <a:r>
               <a:rPr lang="en-US" altLang="zh-CN" sz="2215" dirty="0">
@@ -23294,7 +23294,7 @@
                   <a:prstClr val="black"/>
                 </a:solidFill>
                 <a:latin typeface="Calibri" panose="020F0502020204030204"/>
-                <a:ea typeface="宋体" panose="02010600030101010101" pitchFamily="2" charset="-122"/>
+                <a:ea typeface="SimSun" panose="02010600030101010101" pitchFamily="2" charset="-122"/>
               </a:rPr>
               <a:t> for </a:t>
             </a:r>
@@ -23304,7 +23304,7 @@
                   <a:prstClr val="black"/>
                 </a:solidFill>
                 <a:latin typeface="Calibri" panose="020F0502020204030204"/>
-                <a:ea typeface="宋体" panose="02010600030101010101" pitchFamily="2" charset="-122"/>
+                <a:ea typeface="SimSun" panose="02010600030101010101" pitchFamily="2" charset="-122"/>
               </a:rPr>
               <a:t>cmake</a:t>
             </a:r>
@@ -23314,7 +23314,7 @@
                   <a:prstClr val="black"/>
                 </a:solidFill>
                 <a:latin typeface="Calibri" panose="020F0502020204030204"/>
-                <a:ea typeface="宋体" panose="02010600030101010101" pitchFamily="2" charset="-122"/>
+                <a:ea typeface="SimSun" panose="02010600030101010101" pitchFamily="2" charset="-122"/>
               </a:rPr>
               <a:t> to create </a:t>
             </a:r>
@@ -23324,7 +23324,7 @@
                   <a:prstClr val="black"/>
                 </a:solidFill>
                 <a:latin typeface="Calibri" panose="020F0502020204030204"/>
-                <a:ea typeface="宋体" panose="02010600030101010101" pitchFamily="2" charset="-122"/>
+                <a:ea typeface="SimSun" panose="02010600030101010101" pitchFamily="2" charset="-122"/>
               </a:rPr>
               <a:t>Makefile</a:t>
             </a:r>
@@ -23334,7 +23334,7 @@
                   <a:prstClr val="black"/>
                 </a:solidFill>
                 <a:latin typeface="Calibri" panose="020F0502020204030204"/>
-                <a:ea typeface="宋体" panose="02010600030101010101" pitchFamily="2" charset="-122"/>
+                <a:ea typeface="SimSun" panose="02010600030101010101" pitchFamily="2" charset="-122"/>
               </a:rPr>
               <a:t> automatically. Run </a:t>
             </a:r>
@@ -23344,7 +23344,7 @@
                   <a:prstClr val="black"/>
                 </a:solidFill>
                 <a:latin typeface="Calibri" panose="020F0502020204030204"/>
-                <a:ea typeface="宋体" panose="02010600030101010101" pitchFamily="2" charset="-122"/>
+                <a:ea typeface="SimSun" panose="02010600030101010101" pitchFamily="2" charset="-122"/>
               </a:rPr>
               <a:t>cmake</a:t>
             </a:r>
@@ -23354,7 +23354,7 @@
                   <a:prstClr val="black"/>
                 </a:solidFill>
                 <a:latin typeface="Calibri" panose="020F0502020204030204"/>
-                <a:ea typeface="宋体" panose="02010600030101010101" pitchFamily="2" charset="-122"/>
+                <a:ea typeface="SimSun" panose="02010600030101010101" pitchFamily="2" charset="-122"/>
               </a:rPr>
               <a:t> and make, and then run your program at last.</a:t>
             </a:r>
@@ -23433,7 +23433,7 @@
                   <a:prstClr val="black"/>
                 </a:solidFill>
                 <a:latin typeface="Calibri" panose="020F0502020204030204"/>
-                <a:ea typeface="宋体" panose="02010600030101010101" pitchFamily="2" charset="-122"/>
+                <a:ea typeface="SimSun" panose="02010600030101010101" pitchFamily="2" charset="-122"/>
               </a:rPr>
               <a:t>Function prototypes:</a:t>
             </a:r>
@@ -23442,7 +23442,7 @@
                 <a:prstClr val="black"/>
               </a:solidFill>
               <a:latin typeface="Calibri" panose="020F0502020204030204"/>
-              <a:ea typeface="宋体" panose="02010600030101010101" pitchFamily="2" charset="-122"/>
+              <a:ea typeface="SimSun" panose="02010600030101010101" pitchFamily="2" charset="-122"/>
             </a:endParaRPr>
           </a:p>
           <a:p>
@@ -23457,7 +23457,7 @@
                   <a:prstClr val="black"/>
                 </a:solidFill>
                 <a:latin typeface="Calibri" panose="020F0502020204030204"/>
-                <a:ea typeface="宋体" panose="02010600030101010101" pitchFamily="2" charset="-122"/>
+                <a:ea typeface="SimSun" panose="02010600030101010101" pitchFamily="2" charset="-122"/>
               </a:rPr>
               <a:t>void </a:t>
             </a:r>
@@ -23467,7 +23467,7 @@
                   <a:prstClr val="black"/>
                 </a:solidFill>
                 <a:latin typeface="Calibri" panose="020F0502020204030204"/>
-                <a:ea typeface="宋体" panose="02010600030101010101" pitchFamily="2" charset="-122"/>
+                <a:ea typeface="SimSun" panose="02010600030101010101" pitchFamily="2" charset="-122"/>
               </a:rPr>
               <a:t>inputstu</a:t>
             </a:r>
@@ -23477,7 +23477,7 @@
                   <a:prstClr val="black"/>
                 </a:solidFill>
                 <a:latin typeface="Calibri" panose="020F0502020204030204"/>
-                <a:ea typeface="宋体" panose="02010600030101010101" pitchFamily="2" charset="-122"/>
+                <a:ea typeface="SimSun" panose="02010600030101010101" pitchFamily="2" charset="-122"/>
               </a:rPr>
               <a:t>(</a:t>
             </a:r>
@@ -23487,7 +23487,7 @@
                   <a:prstClr val="black"/>
                 </a:solidFill>
                 <a:latin typeface="Calibri" panose="020F0502020204030204"/>
-                <a:ea typeface="宋体" panose="02010600030101010101" pitchFamily="2" charset="-122"/>
+                <a:ea typeface="SimSun" panose="02010600030101010101" pitchFamily="2" charset="-122"/>
               </a:rPr>
               <a:t>stuinfo</a:t>
             </a:r>
@@ -23497,7 +23497,7 @@
                   <a:prstClr val="black"/>
                 </a:solidFill>
                 <a:latin typeface="Calibri" panose="020F0502020204030204"/>
-                <a:ea typeface="宋体" panose="02010600030101010101" pitchFamily="2" charset="-122"/>
+                <a:ea typeface="SimSun" panose="02010600030101010101" pitchFamily="2" charset="-122"/>
               </a:rPr>
               <a:t> </a:t>
             </a:r>
@@ -23507,7 +23507,7 @@
                   <a:prstClr val="black"/>
                 </a:solidFill>
                 <a:latin typeface="Calibri" panose="020F0502020204030204"/>
-                <a:ea typeface="宋体" panose="02010600030101010101" pitchFamily="2" charset="-122"/>
+                <a:ea typeface="SimSun" panose="02010600030101010101" pitchFamily="2" charset="-122"/>
               </a:rPr>
               <a:t>stu</a:t>
             </a:r>
@@ -23517,7 +23517,7 @@
                   <a:prstClr val="black"/>
                 </a:solidFill>
                 <a:latin typeface="Calibri" panose="020F0502020204030204"/>
-                <a:ea typeface="宋体" panose="02010600030101010101" pitchFamily="2" charset="-122"/>
+                <a:ea typeface="SimSun" panose="02010600030101010101" pitchFamily="2" charset="-122"/>
               </a:rPr>
               <a:t>[] , int n), </a:t>
             </a:r>
@@ -23527,7 +23527,7 @@
                   <a:prstClr val="black"/>
                 </a:solidFill>
                 <a:latin typeface="Calibri" panose="020F0502020204030204"/>
-                <a:ea typeface="宋体" panose="02010600030101010101" pitchFamily="2" charset="-122"/>
+                <a:ea typeface="SimSun" panose="02010600030101010101" pitchFamily="2" charset="-122"/>
               </a:rPr>
               <a:t> </a:t>
             </a:r>
@@ -23537,7 +23537,7 @@
                   <a:prstClr val="black"/>
                 </a:solidFill>
                 <a:latin typeface="Calibri" panose="020F0502020204030204"/>
-                <a:ea typeface="宋体" panose="02010600030101010101" pitchFamily="2" charset="-122"/>
+                <a:ea typeface="SimSun" panose="02010600030101010101" pitchFamily="2" charset="-122"/>
                 <a:sym typeface="+mn-ea"/>
               </a:rPr>
               <a:t>asks the user to enter each of the preceding items of information to set the corresponding members of the structure.</a:t>
@@ -23547,7 +23547,7 @@
                 <a:prstClr val="black"/>
               </a:solidFill>
               <a:latin typeface="Calibri" panose="020F0502020204030204"/>
-              <a:ea typeface="宋体" panose="02010600030101010101" pitchFamily="2" charset="-122"/>
+              <a:ea typeface="SimSun" panose="02010600030101010101" pitchFamily="2" charset="-122"/>
               <a:sym typeface="+mn-ea"/>
             </a:endParaRPr>
           </a:p>
@@ -23563,7 +23563,7 @@
                   <a:prstClr val="black"/>
                 </a:solidFill>
                 <a:latin typeface="Calibri" panose="020F0502020204030204"/>
-                <a:ea typeface="宋体" panose="02010600030101010101" pitchFamily="2" charset="-122"/>
+                <a:ea typeface="SimSun" panose="02010600030101010101" pitchFamily="2" charset="-122"/>
               </a:rPr>
               <a:t>void </a:t>
             </a:r>
@@ -23573,7 +23573,7 @@
                   <a:prstClr val="black"/>
                 </a:solidFill>
                 <a:latin typeface="Calibri" panose="020F0502020204030204"/>
-                <a:ea typeface="宋体" panose="02010600030101010101" pitchFamily="2" charset="-122"/>
+                <a:ea typeface="SimSun" panose="02010600030101010101" pitchFamily="2" charset="-122"/>
               </a:rPr>
               <a:t>showstu</a:t>
             </a:r>
@@ -23583,7 +23583,7 @@
                   <a:prstClr val="black"/>
                 </a:solidFill>
                 <a:latin typeface="Calibri" panose="020F0502020204030204"/>
-                <a:ea typeface="宋体" panose="02010600030101010101" pitchFamily="2" charset="-122"/>
+                <a:ea typeface="SimSun" panose="02010600030101010101" pitchFamily="2" charset="-122"/>
               </a:rPr>
               <a:t>(</a:t>
             </a:r>
@@ -23593,7 +23593,7 @@
                   <a:prstClr val="black"/>
                 </a:solidFill>
                 <a:latin typeface="Calibri" panose="020F0502020204030204"/>
-                <a:ea typeface="宋体" panose="02010600030101010101" pitchFamily="2" charset="-122"/>
+                <a:ea typeface="SimSun" panose="02010600030101010101" pitchFamily="2" charset="-122"/>
               </a:rPr>
               <a:t>stuinfo</a:t>
             </a:r>
@@ -23603,7 +23603,7 @@
                   <a:prstClr val="black"/>
                 </a:solidFill>
                 <a:latin typeface="Calibri" panose="020F0502020204030204"/>
-                <a:ea typeface="宋体" panose="02010600030101010101" pitchFamily="2" charset="-122"/>
+                <a:ea typeface="SimSun" panose="02010600030101010101" pitchFamily="2" charset="-122"/>
               </a:rPr>
               <a:t> </a:t>
             </a:r>
@@ -23613,7 +23613,7 @@
                   <a:prstClr val="black"/>
                 </a:solidFill>
                 <a:latin typeface="Calibri" panose="020F0502020204030204"/>
-                <a:ea typeface="宋体" panose="02010600030101010101" pitchFamily="2" charset="-122"/>
+                <a:ea typeface="SimSun" panose="02010600030101010101" pitchFamily="2" charset="-122"/>
               </a:rPr>
               <a:t>stu</a:t>
             </a:r>
@@ -23623,7 +23623,7 @@
                   <a:prstClr val="black"/>
                 </a:solidFill>
                 <a:latin typeface="Calibri" panose="020F0502020204030204"/>
-                <a:ea typeface="宋体" panose="02010600030101010101" pitchFamily="2" charset="-122"/>
+                <a:ea typeface="SimSun" panose="02010600030101010101" pitchFamily="2" charset="-122"/>
               </a:rPr>
               <a:t>[] , int n) </a:t>
             </a:r>
@@ -23633,7 +23633,7 @@
                   <a:prstClr val="black"/>
                 </a:solidFill>
                 <a:latin typeface="Calibri" panose="020F0502020204030204"/>
-                <a:ea typeface="宋体" panose="02010600030101010101" pitchFamily="2" charset="-122"/>
+                <a:ea typeface="SimSun" panose="02010600030101010101" pitchFamily="2" charset="-122"/>
               </a:rPr>
               <a:t>,displays the contents of the structure, one student one line.</a:t>
             </a:r>
@@ -23642,7 +23642,7 @@
                 <a:prstClr val="black"/>
               </a:solidFill>
               <a:latin typeface="Calibri" panose="020F0502020204030204"/>
-              <a:ea typeface="宋体" panose="02010600030101010101" pitchFamily="2" charset="-122"/>
+              <a:ea typeface="SimSun" panose="02010600030101010101" pitchFamily="2" charset="-122"/>
             </a:endParaRPr>
           </a:p>
           <a:p>
@@ -23657,7 +23657,7 @@
                   <a:prstClr val="black"/>
                 </a:solidFill>
                 <a:latin typeface="Calibri" panose="020F0502020204030204"/>
-                <a:ea typeface="宋体" panose="02010600030101010101" pitchFamily="2" charset="-122"/>
+                <a:ea typeface="SimSun" panose="02010600030101010101" pitchFamily="2" charset="-122"/>
               </a:rPr>
               <a:t>void </a:t>
             </a:r>
@@ -23667,7 +23667,7 @@
                   <a:prstClr val="black"/>
                 </a:solidFill>
                 <a:latin typeface="Calibri" panose="020F0502020204030204"/>
-                <a:ea typeface="宋体" panose="02010600030101010101" pitchFamily="2" charset="-122"/>
+                <a:ea typeface="SimSun" panose="02010600030101010101" pitchFamily="2" charset="-122"/>
               </a:rPr>
               <a:t>sortstu</a:t>
             </a:r>
@@ -23677,7 +23677,7 @@
                   <a:prstClr val="black"/>
                 </a:solidFill>
                 <a:latin typeface="Calibri" panose="020F0502020204030204"/>
-                <a:ea typeface="宋体" panose="02010600030101010101" pitchFamily="2" charset="-122"/>
+                <a:ea typeface="SimSun" panose="02010600030101010101" pitchFamily="2" charset="-122"/>
               </a:rPr>
               <a:t>(</a:t>
             </a:r>
@@ -23687,7 +23687,7 @@
                   <a:prstClr val="black"/>
                 </a:solidFill>
                 <a:latin typeface="Calibri" panose="020F0502020204030204"/>
-                <a:ea typeface="宋体" panose="02010600030101010101" pitchFamily="2" charset="-122"/>
+                <a:ea typeface="SimSun" panose="02010600030101010101" pitchFamily="2" charset="-122"/>
               </a:rPr>
               <a:t>stuinfo</a:t>
             </a:r>
@@ -23697,7 +23697,7 @@
                   <a:prstClr val="black"/>
                 </a:solidFill>
                 <a:latin typeface="Calibri" panose="020F0502020204030204"/>
-                <a:ea typeface="宋体" panose="02010600030101010101" pitchFamily="2" charset="-122"/>
+                <a:ea typeface="SimSun" panose="02010600030101010101" pitchFamily="2" charset="-122"/>
               </a:rPr>
               <a:t> </a:t>
             </a:r>
@@ -23707,7 +23707,7 @@
                   <a:prstClr val="black"/>
                 </a:solidFill>
                 <a:latin typeface="Calibri" panose="020F0502020204030204"/>
-                <a:ea typeface="宋体" panose="02010600030101010101" pitchFamily="2" charset="-122"/>
+                <a:ea typeface="SimSun" panose="02010600030101010101" pitchFamily="2" charset="-122"/>
               </a:rPr>
               <a:t>stu</a:t>
             </a:r>
@@ -23717,7 +23717,7 @@
                   <a:prstClr val="black"/>
                 </a:solidFill>
                 <a:latin typeface="Calibri" panose="020F0502020204030204"/>
-                <a:ea typeface="宋体" panose="02010600030101010101" pitchFamily="2" charset="-122"/>
+                <a:ea typeface="SimSun" panose="02010600030101010101" pitchFamily="2" charset="-122"/>
               </a:rPr>
               <a:t>[] , int n),</a:t>
             </a:r>
@@ -23727,7 +23727,7 @@
                   <a:prstClr val="black"/>
                 </a:solidFill>
                 <a:latin typeface="Calibri" panose="020F0502020204030204"/>
-                <a:ea typeface="宋体" panose="02010600030101010101" pitchFamily="2" charset="-122"/>
+                <a:ea typeface="SimSun" panose="02010600030101010101" pitchFamily="2" charset="-122"/>
               </a:rPr>
               <a:t> sorts in </a:t>
             </a:r>
@@ -23741,7 +23741,7 @@
                   <a:prstClr val="black"/>
                 </a:solidFill>
                 <a:latin typeface="Calibri" panose="020F0502020204030204"/>
-                <a:ea typeface="宋体" panose="02010600030101010101" pitchFamily="2" charset="-122"/>
+                <a:ea typeface="SimSun" panose="02010600030101010101" pitchFamily="2" charset="-122"/>
               </a:rPr>
               <a:t>.</a:t>
             </a:r>
@@ -23750,7 +23750,7 @@
                 <a:prstClr val="black"/>
               </a:solidFill>
               <a:latin typeface="Calibri" panose="020F0502020204030204"/>
-              <a:ea typeface="宋体" panose="02010600030101010101" pitchFamily="2" charset="-122"/>
+              <a:ea typeface="SimSun" panose="02010600030101010101" pitchFamily="2" charset="-122"/>
             </a:endParaRPr>
           </a:p>
           <a:p>
@@ -23765,7 +23765,7 @@
                   <a:prstClr val="black"/>
                 </a:solidFill>
                 <a:latin typeface="Calibri" panose="020F0502020204030204"/>
-                <a:ea typeface="宋体" panose="02010600030101010101" pitchFamily="2" charset="-122"/>
+                <a:ea typeface="SimSun" panose="02010600030101010101" pitchFamily="2" charset="-122"/>
               </a:rPr>
               <a:t>bool </a:t>
             </a:r>
@@ -23775,7 +23775,7 @@
                   <a:prstClr val="black"/>
                 </a:solidFill>
                 <a:latin typeface="Calibri" panose="020F0502020204030204"/>
-                <a:ea typeface="宋体" panose="02010600030101010101" pitchFamily="2" charset="-122"/>
+                <a:ea typeface="SimSun" panose="02010600030101010101" pitchFamily="2" charset="-122"/>
               </a:rPr>
               <a:t>findstu</a:t>
             </a:r>
@@ -23785,7 +23785,7 @@
                   <a:prstClr val="black"/>
                 </a:solidFill>
                 <a:latin typeface="Calibri" panose="020F0502020204030204"/>
-                <a:ea typeface="宋体" panose="02010600030101010101" pitchFamily="2" charset="-122"/>
+                <a:ea typeface="SimSun" panose="02010600030101010101" pitchFamily="2" charset="-122"/>
               </a:rPr>
               <a:t>(</a:t>
             </a:r>
@@ -23795,7 +23795,7 @@
                   <a:prstClr val="black"/>
                 </a:solidFill>
                 <a:latin typeface="Calibri" panose="020F0502020204030204"/>
-                <a:ea typeface="宋体" panose="02010600030101010101" pitchFamily="2" charset="-122"/>
+                <a:ea typeface="SimSun" panose="02010600030101010101" pitchFamily="2" charset="-122"/>
               </a:rPr>
               <a:t>stuinfo</a:t>
             </a:r>
@@ -23805,7 +23805,7 @@
                   <a:prstClr val="black"/>
                 </a:solidFill>
                 <a:latin typeface="Calibri" panose="020F0502020204030204"/>
-                <a:ea typeface="宋体" panose="02010600030101010101" pitchFamily="2" charset="-122"/>
+                <a:ea typeface="SimSun" panose="02010600030101010101" pitchFamily="2" charset="-122"/>
               </a:rPr>
               <a:t> </a:t>
             </a:r>
@@ -23815,7 +23815,7 @@
                   <a:prstClr val="black"/>
                 </a:solidFill>
                 <a:latin typeface="Calibri" panose="020F0502020204030204"/>
-                <a:ea typeface="宋体" panose="02010600030101010101" pitchFamily="2" charset="-122"/>
+                <a:ea typeface="SimSun" panose="02010600030101010101" pitchFamily="2" charset="-122"/>
               </a:rPr>
               <a:t>stu</a:t>
             </a:r>
@@ -23825,7 +23825,7 @@
                   <a:prstClr val="black"/>
                 </a:solidFill>
                 <a:latin typeface="Calibri" panose="020F0502020204030204"/>
-                <a:ea typeface="宋体" panose="02010600030101010101" pitchFamily="2" charset="-122"/>
+                <a:ea typeface="SimSun" panose="02010600030101010101" pitchFamily="2" charset="-122"/>
               </a:rPr>
               <a:t>[] , int n, char </a:t>
             </a:r>
@@ -23835,7 +23835,7 @@
                   <a:prstClr val="black"/>
                 </a:solidFill>
                 <a:latin typeface="Calibri" panose="020F0502020204030204"/>
-                <a:ea typeface="宋体" panose="02010600030101010101" pitchFamily="2" charset="-122"/>
+                <a:ea typeface="SimSun" panose="02010600030101010101" pitchFamily="2" charset="-122"/>
               </a:rPr>
               <a:t>ch</a:t>
             </a:r>
@@ -23845,7 +23845,7 @@
                   <a:prstClr val="black"/>
                 </a:solidFill>
                 <a:latin typeface="Calibri" panose="020F0502020204030204"/>
-                <a:ea typeface="宋体" panose="02010600030101010101" pitchFamily="2" charset="-122"/>
+                <a:ea typeface="SimSun" panose="02010600030101010101" pitchFamily="2" charset="-122"/>
               </a:rPr>
               <a:t>[]),</a:t>
             </a:r>
@@ -23855,7 +23855,7 @@
                   <a:prstClr val="black"/>
                 </a:solidFill>
                 <a:latin typeface="Calibri" panose="020F0502020204030204"/>
-                <a:ea typeface="宋体" panose="02010600030101010101" pitchFamily="2" charset="-122"/>
+                <a:ea typeface="SimSun" panose="02010600030101010101" pitchFamily="2" charset="-122"/>
                 <a:sym typeface="+mn-ea"/>
               </a:rPr>
               <a:t> </a:t>
@@ -23869,7 +23869,7 @@
                 <a:prstClr val="black"/>
               </a:solidFill>
               <a:latin typeface="Calibri" panose="020F0502020204030204"/>
-              <a:ea typeface="宋体" panose="02010600030101010101" pitchFamily="2" charset="-122"/>
+              <a:ea typeface="SimSun" panose="02010600030101010101" pitchFamily="2" charset="-122"/>
               <a:sym typeface="+mn-ea"/>
             </a:endParaRPr>
           </a:p>
